--- a/docs/UI.pptx
+++ b/docs/UI.pptx
@@ -108,6 +108,11 @@
       </a:defRPr>
     </a:lvl9pPr>
   </p:defaultTextStyle>
+  <p:extLst>
+    <p:ext uri="{EFAFB233-063F-42B5-8137-9DF3F51BA10A}">
+      <p15:sldGuideLst xmlns:p15="http://schemas.microsoft.com/office/powerpoint/2012/main"/>
+    </p:ext>
+  </p:extLst>
 </p:presentation>
 </file>
 
@@ -258,7 +263,7 @@
           <a:p>
             <a:fld id="{522ED9C2-D553-47C4-88F8-D915C8AA265D}" type="datetimeFigureOut">
               <a:rPr lang="en-US" smtClean="0"/>
-              <a:t>2/11/2024</a:t>
+              <a:t>2/25/24</a:t>
             </a:fld>
             <a:endParaRPr lang="en-US"/>
           </a:p>
@@ -456,7 +461,7 @@
           <a:p>
             <a:fld id="{522ED9C2-D553-47C4-88F8-D915C8AA265D}" type="datetimeFigureOut">
               <a:rPr lang="en-US" smtClean="0"/>
-              <a:t>2/11/2024</a:t>
+              <a:t>2/25/24</a:t>
             </a:fld>
             <a:endParaRPr lang="en-US"/>
           </a:p>
@@ -664,7 +669,7 @@
           <a:p>
             <a:fld id="{522ED9C2-D553-47C4-88F8-D915C8AA265D}" type="datetimeFigureOut">
               <a:rPr lang="en-US" smtClean="0"/>
-              <a:t>2/11/2024</a:t>
+              <a:t>2/25/24</a:t>
             </a:fld>
             <a:endParaRPr lang="en-US"/>
           </a:p>
@@ -862,7 +867,7 @@
           <a:p>
             <a:fld id="{522ED9C2-D553-47C4-88F8-D915C8AA265D}" type="datetimeFigureOut">
               <a:rPr lang="en-US" smtClean="0"/>
-              <a:t>2/11/2024</a:t>
+              <a:t>2/25/24</a:t>
             </a:fld>
             <a:endParaRPr lang="en-US"/>
           </a:p>
@@ -1137,7 +1142,7 @@
           <a:p>
             <a:fld id="{522ED9C2-D553-47C4-88F8-D915C8AA265D}" type="datetimeFigureOut">
               <a:rPr lang="en-US" smtClean="0"/>
-              <a:t>2/11/2024</a:t>
+              <a:t>2/25/24</a:t>
             </a:fld>
             <a:endParaRPr lang="en-US"/>
           </a:p>
@@ -1402,7 +1407,7 @@
           <a:p>
             <a:fld id="{522ED9C2-D553-47C4-88F8-D915C8AA265D}" type="datetimeFigureOut">
               <a:rPr lang="en-US" smtClean="0"/>
-              <a:t>2/11/2024</a:t>
+              <a:t>2/25/24</a:t>
             </a:fld>
             <a:endParaRPr lang="en-US"/>
           </a:p>
@@ -1814,7 +1819,7 @@
           <a:p>
             <a:fld id="{522ED9C2-D553-47C4-88F8-D915C8AA265D}" type="datetimeFigureOut">
               <a:rPr lang="en-US" smtClean="0"/>
-              <a:t>2/11/2024</a:t>
+              <a:t>2/25/24</a:t>
             </a:fld>
             <a:endParaRPr lang="en-US"/>
           </a:p>
@@ -1955,7 +1960,7 @@
           <a:p>
             <a:fld id="{522ED9C2-D553-47C4-88F8-D915C8AA265D}" type="datetimeFigureOut">
               <a:rPr lang="en-US" smtClean="0"/>
-              <a:t>2/11/2024</a:t>
+              <a:t>2/25/24</a:t>
             </a:fld>
             <a:endParaRPr lang="en-US"/>
           </a:p>
@@ -2068,7 +2073,7 @@
           <a:p>
             <a:fld id="{522ED9C2-D553-47C4-88F8-D915C8AA265D}" type="datetimeFigureOut">
               <a:rPr lang="en-US" smtClean="0"/>
-              <a:t>2/11/2024</a:t>
+              <a:t>2/25/24</a:t>
             </a:fld>
             <a:endParaRPr lang="en-US"/>
           </a:p>
@@ -2379,7 +2384,7 @@
           <a:p>
             <a:fld id="{522ED9C2-D553-47C4-88F8-D915C8AA265D}" type="datetimeFigureOut">
               <a:rPr lang="en-US" smtClean="0"/>
-              <a:t>2/11/2024</a:t>
+              <a:t>2/25/24</a:t>
             </a:fld>
             <a:endParaRPr lang="en-US"/>
           </a:p>
@@ -2667,7 +2672,7 @@
           <a:p>
             <a:fld id="{522ED9C2-D553-47C4-88F8-D915C8AA265D}" type="datetimeFigureOut">
               <a:rPr lang="en-US" smtClean="0"/>
-              <a:t>2/11/2024</a:t>
+              <a:t>2/25/24</a:t>
             </a:fld>
             <a:endParaRPr lang="en-US"/>
           </a:p>
@@ -2908,7 +2913,7 @@
           <a:p>
             <a:fld id="{522ED9C2-D553-47C4-88F8-D915C8AA265D}" type="datetimeFigureOut">
               <a:rPr lang="en-US" smtClean="0"/>
-              <a:t>2/11/2024</a:t>
+              <a:t>2/25/24</a:t>
             </a:fld>
             <a:endParaRPr lang="en-US"/>
           </a:p>
@@ -3405,7 +3410,7 @@
           <a:lstStyle/>
           <a:p>
             <a:r>
-              <a:rPr lang="en-US"/>
+              <a:rPr lang="en-US" dirty="0"/>
               <a:t>Conventions</a:t>
             </a:r>
           </a:p>
@@ -3433,27 +3438,43 @@
           <a:lstStyle/>
           <a:p>
             <a:r>
-              <a:rPr lang="en-US"/>
-              <a:t>Use Frame/LabelFrame liberally to create new groups.</a:t>
-            </a:r>
-          </a:p>
-          <a:p>
-            <a:r>
-              <a:rPr lang="en-US"/>
-              <a:t>Use the theme functions as much as possible avoiding ttk functions/objects.</a:t>
-            </a:r>
-          </a:p>
-          <a:p>
-            <a:r>
-              <a:rPr lang="en-US"/>
+              <a:rPr lang="en-US" dirty="0"/>
+              <a:t>Use Frame/</a:t>
+            </a:r>
+            <a:r>
+              <a:rPr lang="en-US" dirty="0" err="1"/>
+              <a:t>LabelFrame</a:t>
+            </a:r>
+            <a:r>
+              <a:rPr lang="en-US" dirty="0"/>
+              <a:t> liberally to create new groups.</a:t>
+            </a:r>
+          </a:p>
+          <a:p>
+            <a:r>
+              <a:rPr lang="en-US" dirty="0"/>
+              <a:t>Use the theme functions as much as possible avoiding </a:t>
+            </a:r>
+            <a:r>
+              <a:rPr lang="en-US" dirty="0" err="1"/>
+              <a:t>ttk</a:t>
+            </a:r>
+            <a:r>
+              <a:rPr lang="en-US" dirty="0"/>
+              <a:t> functions/objects.</a:t>
+            </a:r>
+          </a:p>
+          <a:p>
+            <a:r>
+              <a:rPr lang="en-US" dirty="0"/>
               <a:t>Views/Controllers talk to each other with their event channels. No direct reference to external objects. (For example, the annotation edit view cannot call functions on the recording controller anymore.)</a:t>
             </a:r>
           </a:p>
           <a:p>
-            <a:endParaRPr lang="en-US"/>
-          </a:p>
-          <a:p>
-            <a:endParaRPr lang="en-US"/>
+            <a:endParaRPr lang="en-US" dirty="0"/>
+          </a:p>
+          <a:p>
+            <a:endParaRPr lang="en-US" dirty="0"/>
           </a:p>
         </p:txBody>
       </p:sp>
@@ -3509,7 +3530,7 @@
           <a:lstStyle/>
           <a:p>
             <a:r>
-              <a:rPr lang="en-US"/>
+              <a:rPr lang="en-US" dirty="0"/>
               <a:t>UI challenges</a:t>
             </a:r>
           </a:p>
@@ -3537,57 +3558,77 @@
           <a:lstStyle/>
           <a:p>
             <a:r>
-              <a:rPr lang="en-US"/>
+              <a:rPr lang="en-US" dirty="0"/>
               <a:t>Hundreds of tags</a:t>
             </a:r>
           </a:p>
           <a:p>
             <a:pPr lvl="1"/>
             <a:r>
-              <a:rPr lang="en-US"/>
+              <a:rPr lang="en-US" dirty="0"/>
               <a:t>Use tabs for different groups</a:t>
             </a:r>
           </a:p>
           <a:p>
             <a:pPr lvl="1"/>
             <a:r>
-              <a:rPr lang="en-US"/>
+              <a:rPr lang="en-US" dirty="0"/>
               <a:t>Sort lexicographically (by row or column)</a:t>
             </a:r>
           </a:p>
           <a:p>
             <a:pPr lvl="1"/>
             <a:r>
-              <a:rPr lang="en-US"/>
+              <a:rPr lang="en-US" dirty="0"/>
               <a:t>Highlight most frequent tags.</a:t>
             </a:r>
           </a:p>
           <a:p>
             <a:r>
-              <a:rPr lang="en-US"/>
+              <a:rPr lang="en-US" dirty="0"/>
               <a:t>Hundreds of annotations (600 seconds of compilation video may have 60-120 annotations)</a:t>
             </a:r>
           </a:p>
           <a:p>
             <a:r>
-              <a:rPr lang="en-US"/>
-              <a:t>ScrollViews and Tabs/collaspibles </a:t>
-            </a:r>
-          </a:p>
-          <a:p>
-            <a:r>
-              <a:rPr lang="en-US"/>
+              <a:rPr lang="en-US" dirty="0" err="1"/>
+              <a:t>ScrollViews</a:t>
+            </a:r>
+            <a:r>
+              <a:rPr lang="en-US" dirty="0"/>
+              <a:t> and Tabs/</a:t>
+            </a:r>
+            <a:r>
+              <a:rPr lang="en-US" dirty="0" err="1"/>
+              <a:t>collaspibles</a:t>
+            </a:r>
+            <a:r>
+              <a:rPr lang="en-US" dirty="0"/>
+              <a:t> </a:t>
+            </a:r>
+          </a:p>
+          <a:p>
+            <a:r>
+              <a:rPr lang="en-US" dirty="0"/>
               <a:t>We may have multiple pedestrian or vehicles. – this can come later.</a:t>
             </a:r>
           </a:p>
           <a:p>
             <a:r>
-              <a:rPr lang="en-US"/>
-              <a:t>Custom slider with 3 draggables instead of one.</a:t>
-            </a:r>
-          </a:p>
-          <a:p>
-            <a:endParaRPr lang="en-US"/>
+              <a:rPr lang="en-US" dirty="0"/>
+              <a:t>Custom slider with 3 </a:t>
+            </a:r>
+            <a:r>
+              <a:rPr lang="en-US" dirty="0" err="1"/>
+              <a:t>draggables</a:t>
+            </a:r>
+            <a:r>
+              <a:rPr lang="en-US" dirty="0"/>
+              <a:t> instead of one.</a:t>
+            </a:r>
+          </a:p>
+          <a:p>
+            <a:endParaRPr lang="en-US" dirty="0"/>
           </a:p>
         </p:txBody>
       </p:sp>
@@ -3664,7 +3705,7 @@
           <a:p>
             <a:pPr algn="ctr"/>
             <a:r>
-              <a:rPr lang="en-US"/>
+              <a:rPr lang="en-US" dirty="0"/>
               <a:t>Video</a:t>
             </a:r>
           </a:p>
@@ -3811,7 +3852,7 @@
           <a:p>
             <a:pPr algn="ctr"/>
             <a:r>
-              <a:rPr lang="en-US"/>
+              <a:rPr lang="en-US" dirty="0"/>
               <a:t>Pedestrian</a:t>
             </a:r>
           </a:p>
@@ -3860,7 +3901,7 @@
           <a:p>
             <a:pPr algn="ctr"/>
             <a:r>
-              <a:rPr lang="en-US"/>
+              <a:rPr lang="en-US" dirty="0"/>
               <a:t>Vehicle</a:t>
             </a:r>
           </a:p>
@@ -3909,7 +3950,7 @@
           <a:p>
             <a:pPr algn="ctr"/>
             <a:r>
-              <a:rPr lang="en-US"/>
+              <a:rPr lang="en-US" dirty="0"/>
               <a:t>Environment</a:t>
             </a:r>
           </a:p>
@@ -3964,7 +4005,7 @@
           <a:p>
             <a:pPr algn="ctr"/>
             <a:r>
-              <a:rPr lang="en-US"/>
+              <a:rPr lang="en-US" dirty="0"/>
               <a:t>Generic</a:t>
             </a:r>
           </a:p>
@@ -4019,7 +4060,7 @@
           <a:p>
             <a:pPr algn="ctr"/>
             <a:r>
-              <a:rPr lang="en-US"/>
+              <a:rPr lang="en-US" dirty="0"/>
               <a:t>Instant</a:t>
             </a:r>
           </a:p>
@@ -4074,7 +4115,7 @@
           <a:p>
             <a:pPr algn="ctr"/>
             <a:r>
-              <a:rPr lang="en-US"/>
+              <a:rPr lang="en-US" dirty="0"/>
               <a:t>Collisions</a:t>
             </a:r>
           </a:p>
@@ -4126,7 +4167,7 @@
           <a:p>
             <a:pPr algn="ctr"/>
             <a:r>
-              <a:rPr lang="en-US"/>
+              <a:rPr lang="en-US" dirty="0"/>
               <a:t>Search</a:t>
             </a:r>
           </a:p>
@@ -4446,13 +4487,13 @@
           <a:lstStyle/>
           <a:p>
             <a:r>
-              <a:rPr lang="en-US"/>
+              <a:rPr lang="en-US" dirty="0"/>
               <a:t>Delete existing from here</a:t>
             </a:r>
           </a:p>
           <a:p>
             <a:r>
-              <a:rPr lang="en-US"/>
+              <a:rPr lang="en-US" dirty="0"/>
               <a:t>Additional Notes can be editable here</a:t>
             </a:r>
           </a:p>
@@ -4538,6 +4579,41 @@
             <a:r>
               <a:rPr lang="en-US"/>
               <a:t>Show All annotations</a:t>
+            </a:r>
+          </a:p>
+        </p:txBody>
+      </p:sp>
+      <p:sp>
+        <p:nvSpPr>
+          <p:cNvPr id="2" name="TextBox 1">
+            <a:extLst>
+              <a:ext uri="{FF2B5EF4-FFF2-40B4-BE49-F238E27FC236}">
+                <a16:creationId xmlns:a16="http://schemas.microsoft.com/office/drawing/2014/main" id="{86DB0DE5-830C-C015-4C3D-DCE95DA4AB56}"/>
+              </a:ext>
+            </a:extLst>
+          </p:cNvPr>
+          <p:cNvSpPr txBox="1"/>
+          <p:nvPr/>
+        </p:nvSpPr>
+        <p:spPr>
+          <a:xfrm>
+            <a:off x="1215457" y="1387503"/>
+            <a:ext cx="3323413" cy="369332"/>
+          </a:xfrm>
+          <a:prstGeom prst="rect">
+            <a:avLst/>
+          </a:prstGeom>
+          <a:noFill/>
+        </p:spPr>
+        <p:txBody>
+          <a:bodyPr wrap="square" rtlCol="0">
+            <a:spAutoFit/>
+          </a:bodyPr>
+          <a:lstStyle/>
+          <a:p>
+            <a:r>
+              <a:rPr lang="en-US" dirty="0"/>
+              <a:t>Make video larger, easier to see</a:t>
             </a:r>
           </a:p>
         </p:txBody>
@@ -5031,31 +5107,31 @@
           <a:lstStyle/>
           <a:p>
             <a:r>
-              <a:rPr lang="en-US"/>
+              <a:rPr lang="en-US" dirty="0"/>
               <a:t>All annotations</a:t>
             </a:r>
           </a:p>
           <a:p>
             <a:r>
-              <a:rPr lang="en-US"/>
+              <a:rPr lang="en-US" dirty="0"/>
               <a:t>1 – fix existing</a:t>
             </a:r>
           </a:p>
           <a:p>
             <a:r>
-              <a:rPr lang="en-US"/>
+              <a:rPr lang="en-US" dirty="0"/>
               <a:t>2. – delete</a:t>
             </a:r>
           </a:p>
           <a:p>
             <a:r>
-              <a:rPr lang="en-US"/>
+              <a:rPr lang="en-US" dirty="0"/>
               <a:t>3. –merge</a:t>
             </a:r>
           </a:p>
           <a:p>
             <a:r>
-              <a:rPr lang="en-US"/>
+              <a:rPr lang="en-US" dirty="0"/>
               <a:t>4. </a:t>
             </a:r>
           </a:p>
